--- a/22_useContext.pptx
+++ b/22_useContext.pptx
@@ -17,6 +17,8 @@
     <p:sldId id="431" r:id="rId11"/>
     <p:sldId id="432" r:id="rId12"/>
     <p:sldId id="426" r:id="rId13"/>
+    <p:sldId id="433" r:id="rId14"/>
+    <p:sldId id="434" r:id="rId15"/>
   </p:sldIdLst>
   <p:sldSz cx="12192000" cy="6858000"/>
   <p:notesSz cx="6858000" cy="9144000"/>
@@ -4754,6 +4756,1780 @@
 </p:sld>
 </file>
 
+<file path=ppt/slides/slide13.xml><?xml version="1.0" encoding="utf-8"?>
+<p:sld xmlns:a="http://schemas.openxmlformats.org/drawingml/2006/main" xmlns:r="http://schemas.openxmlformats.org/officeDocument/2006/relationships" xmlns:p="http://schemas.openxmlformats.org/presentationml/2006/main">
+  <p:cSld>
+    <p:spTree>
+      <p:nvGrpSpPr>
+        <p:cNvPr id="1" name=""/>
+        <p:cNvGrpSpPr/>
+        <p:nvPr/>
+      </p:nvGrpSpPr>
+      <p:grpSpPr>
+        <a:xfrm>
+          <a:off x="0" y="0"/>
+          <a:ext cx="0" cy="0"/>
+          <a:chOff x="0" y="0"/>
+          <a:chExt cx="0" cy="0"/>
+        </a:xfrm>
+      </p:grpSpPr>
+      <p:sp>
+        <p:nvSpPr>
+          <p:cNvPr id="2" name="Title 1"/>
+          <p:cNvSpPr>
+            <a:spLocks noGrp="1"/>
+          </p:cNvSpPr>
+          <p:nvPr>
+            <p:ph type="title"/>
+          </p:nvPr>
+        </p:nvSpPr>
+        <p:spPr/>
+        <p:txBody>
+          <a:bodyPr>
+            <a:normAutofit/>
+          </a:bodyPr>
+          <a:lstStyle/>
+          <a:p>
+            <a:r>
+              <a:rPr lang="en-US" dirty="0" smtClean="0">
+                <a:latin typeface="Tahoma" panose="020B0604030504040204" pitchFamily="34" charset="0"/>
+                <a:ea typeface="Tahoma" panose="020B0604030504040204" pitchFamily="34" charset="0"/>
+                <a:cs typeface="Tahoma" panose="020B0604030504040204" pitchFamily="34" charset="0"/>
+              </a:rPr>
+              <a:t>Cách sử dụng</a:t>
+            </a:r>
+            <a:endParaRPr lang="en-US" dirty="0">
+              <a:latin typeface="Tahoma" panose="020B0604030504040204" pitchFamily="34" charset="0"/>
+              <a:ea typeface="Tahoma" panose="020B0604030504040204" pitchFamily="34" charset="0"/>
+              <a:cs typeface="Tahoma" panose="020B0604030504040204" pitchFamily="34" charset="0"/>
+            </a:endParaRPr>
+          </a:p>
+        </p:txBody>
+      </p:sp>
+      <p:sp>
+        <p:nvSpPr>
+          <p:cNvPr id="3" name="Content Placeholder 2"/>
+          <p:cNvSpPr>
+            <a:spLocks noGrp="1"/>
+          </p:cNvSpPr>
+          <p:nvPr>
+            <p:ph idx="1"/>
+          </p:nvPr>
+        </p:nvSpPr>
+        <p:spPr>
+          <a:xfrm>
+            <a:off x="2231136" y="2638044"/>
+            <a:ext cx="7729728" cy="3679629"/>
+          </a:xfrm>
+        </p:spPr>
+        <p:txBody>
+          <a:bodyPr>
+            <a:normAutofit/>
+          </a:bodyPr>
+          <a:lstStyle/>
+          <a:p>
+            <a:r>
+              <a:rPr lang="en-US" dirty="0" smtClean="0">
+                <a:latin typeface="Tahoma" panose="020B0604030504040204" pitchFamily="34" charset="0"/>
+                <a:ea typeface="Tahoma" panose="020B0604030504040204" pitchFamily="34" charset="0"/>
+                <a:cs typeface="Tahoma" panose="020B0604030504040204" pitchFamily="34" charset="0"/>
+              </a:rPr>
+              <a:t>Cách tổ chức context trong thực tế mình sẽ tạo context ra các file riêng</a:t>
+            </a:r>
+          </a:p>
+          <a:p>
+            <a:endParaRPr lang="en-US" dirty="0" smtClean="0">
+              <a:latin typeface="Tahoma" panose="020B0604030504040204" pitchFamily="34" charset="0"/>
+              <a:ea typeface="Tahoma" panose="020B0604030504040204" pitchFamily="34" charset="0"/>
+              <a:cs typeface="Tahoma" panose="020B0604030504040204" pitchFamily="34" charset="0"/>
+            </a:endParaRPr>
+          </a:p>
+        </p:txBody>
+      </p:sp>
+      <p:sp>
+        <p:nvSpPr>
+          <p:cNvPr id="6" name="Rectangle 5"/>
+          <p:cNvSpPr/>
+          <p:nvPr/>
+        </p:nvSpPr>
+        <p:spPr>
+          <a:xfrm>
+            <a:off x="3048000" y="3128618"/>
+            <a:ext cx="6096000" cy="3231654"/>
+          </a:xfrm>
+          <a:prstGeom prst="rect">
+            <a:avLst/>
+          </a:prstGeom>
+          <a:solidFill>
+            <a:schemeClr val="tx1"/>
+          </a:solidFill>
+        </p:spPr>
+        <p:txBody>
+          <a:bodyPr>
+            <a:spAutoFit/>
+          </a:bodyPr>
+          <a:lstStyle/>
+          <a:p>
+            <a:r>
+              <a:rPr lang="en-US" sz="1200" dirty="0">
+                <a:solidFill>
+                  <a:srgbClr val="C586C0"/>
+                </a:solidFill>
+                <a:latin typeface="Consolas" panose="020B0609020204030204" pitchFamily="49" charset="0"/>
+              </a:rPr>
+              <a:t>import</a:t>
+            </a:r>
+            <a:r>
+              <a:rPr lang="en-US" sz="1200" dirty="0">
+                <a:solidFill>
+                  <a:srgbClr val="CCCCCC"/>
+                </a:solidFill>
+                <a:latin typeface="Consolas" panose="020B0609020204030204" pitchFamily="49" charset="0"/>
+              </a:rPr>
+              <a:t> { </a:t>
+            </a:r>
+            <a:r>
+              <a:rPr lang="en-US" sz="1200" dirty="0">
+                <a:solidFill>
+                  <a:srgbClr val="9CDCFE"/>
+                </a:solidFill>
+                <a:latin typeface="Consolas" panose="020B0609020204030204" pitchFamily="49" charset="0"/>
+              </a:rPr>
+              <a:t>createContext</a:t>
+            </a:r>
+            <a:r>
+              <a:rPr lang="en-US" sz="1200" dirty="0">
+                <a:solidFill>
+                  <a:srgbClr val="CCCCCC"/>
+                </a:solidFill>
+                <a:latin typeface="Consolas" panose="020B0609020204030204" pitchFamily="49" charset="0"/>
+              </a:rPr>
+              <a:t>, </a:t>
+            </a:r>
+            <a:r>
+              <a:rPr lang="en-US" sz="1200" dirty="0">
+                <a:solidFill>
+                  <a:srgbClr val="9CDCFE"/>
+                </a:solidFill>
+                <a:latin typeface="Consolas" panose="020B0609020204030204" pitchFamily="49" charset="0"/>
+              </a:rPr>
+              <a:t>useState</a:t>
+            </a:r>
+            <a:r>
+              <a:rPr lang="en-US" sz="1200" dirty="0">
+                <a:solidFill>
+                  <a:srgbClr val="CCCCCC"/>
+                </a:solidFill>
+                <a:latin typeface="Consolas" panose="020B0609020204030204" pitchFamily="49" charset="0"/>
+              </a:rPr>
+              <a:t> } </a:t>
+            </a:r>
+            <a:r>
+              <a:rPr lang="en-US" sz="1200" dirty="0">
+                <a:solidFill>
+                  <a:srgbClr val="C586C0"/>
+                </a:solidFill>
+                <a:latin typeface="Consolas" panose="020B0609020204030204" pitchFamily="49" charset="0"/>
+              </a:rPr>
+              <a:t>from</a:t>
+            </a:r>
+            <a:r>
+              <a:rPr lang="en-US" sz="1200" dirty="0">
+                <a:solidFill>
+                  <a:srgbClr val="CCCCCC"/>
+                </a:solidFill>
+                <a:latin typeface="Consolas" panose="020B0609020204030204" pitchFamily="49" charset="0"/>
+              </a:rPr>
+              <a:t> </a:t>
+            </a:r>
+            <a:r>
+              <a:rPr lang="en-US" sz="1200" dirty="0">
+                <a:solidFill>
+                  <a:srgbClr val="CE9178"/>
+                </a:solidFill>
+                <a:latin typeface="Consolas" panose="020B0609020204030204" pitchFamily="49" charset="0"/>
+              </a:rPr>
+              <a:t>"react"</a:t>
+            </a:r>
+            <a:r>
+              <a:rPr lang="en-US" sz="1200" dirty="0">
+                <a:solidFill>
+                  <a:srgbClr val="CCCCCC"/>
+                </a:solidFill>
+                <a:latin typeface="Consolas" panose="020B0609020204030204" pitchFamily="49" charset="0"/>
+              </a:rPr>
+              <a:t>;</a:t>
+            </a:r>
+          </a:p>
+          <a:p>
+            <a:r>
+              <a:rPr lang="en-US" sz="1200" dirty="0">
+                <a:solidFill>
+                  <a:srgbClr val="CCCCCC"/>
+                </a:solidFill>
+                <a:latin typeface="Consolas" panose="020B0609020204030204" pitchFamily="49" charset="0"/>
+              </a:rPr>
+              <a:t/>
+            </a:r>
+            <a:br>
+              <a:rPr lang="en-US" sz="1200" dirty="0">
+                <a:solidFill>
+                  <a:srgbClr val="CCCCCC"/>
+                </a:solidFill>
+                <a:latin typeface="Consolas" panose="020B0609020204030204" pitchFamily="49" charset="0"/>
+              </a:rPr>
+            </a:br>
+            <a:r>
+              <a:rPr lang="en-US" sz="1200" dirty="0">
+                <a:solidFill>
+                  <a:srgbClr val="C586C0"/>
+                </a:solidFill>
+                <a:latin typeface="Consolas" panose="020B0609020204030204" pitchFamily="49" charset="0"/>
+              </a:rPr>
+              <a:t>export</a:t>
+            </a:r>
+            <a:r>
+              <a:rPr lang="en-US" sz="1200" dirty="0">
+                <a:solidFill>
+                  <a:srgbClr val="CCCCCC"/>
+                </a:solidFill>
+                <a:latin typeface="Consolas" panose="020B0609020204030204" pitchFamily="49" charset="0"/>
+              </a:rPr>
+              <a:t> </a:t>
+            </a:r>
+            <a:r>
+              <a:rPr lang="en-US" sz="1200" dirty="0">
+                <a:solidFill>
+                  <a:srgbClr val="569CD6"/>
+                </a:solidFill>
+                <a:latin typeface="Consolas" panose="020B0609020204030204" pitchFamily="49" charset="0"/>
+              </a:rPr>
+              <a:t>const</a:t>
+            </a:r>
+            <a:r>
+              <a:rPr lang="en-US" sz="1200" dirty="0">
+                <a:solidFill>
+                  <a:srgbClr val="CCCCCC"/>
+                </a:solidFill>
+                <a:latin typeface="Consolas" panose="020B0609020204030204" pitchFamily="49" charset="0"/>
+              </a:rPr>
+              <a:t> </a:t>
+            </a:r>
+            <a:r>
+              <a:rPr lang="en-US" sz="1200" dirty="0">
+                <a:solidFill>
+                  <a:srgbClr val="4FC1FF"/>
+                </a:solidFill>
+                <a:latin typeface="Consolas" panose="020B0609020204030204" pitchFamily="49" charset="0"/>
+              </a:rPr>
+              <a:t>ThemeContext</a:t>
+            </a:r>
+            <a:r>
+              <a:rPr lang="en-US" sz="1200" dirty="0">
+                <a:solidFill>
+                  <a:srgbClr val="CCCCCC"/>
+                </a:solidFill>
+                <a:latin typeface="Consolas" panose="020B0609020204030204" pitchFamily="49" charset="0"/>
+              </a:rPr>
+              <a:t> </a:t>
+            </a:r>
+            <a:r>
+              <a:rPr lang="en-US" sz="1200" dirty="0">
+                <a:solidFill>
+                  <a:srgbClr val="D4D4D4"/>
+                </a:solidFill>
+                <a:latin typeface="Consolas" panose="020B0609020204030204" pitchFamily="49" charset="0"/>
+              </a:rPr>
+              <a:t>=</a:t>
+            </a:r>
+            <a:r>
+              <a:rPr lang="en-US" sz="1200" dirty="0">
+                <a:solidFill>
+                  <a:srgbClr val="CCCCCC"/>
+                </a:solidFill>
+                <a:latin typeface="Consolas" panose="020B0609020204030204" pitchFamily="49" charset="0"/>
+              </a:rPr>
+              <a:t> </a:t>
+            </a:r>
+            <a:r>
+              <a:rPr lang="en-US" sz="1200" dirty="0">
+                <a:solidFill>
+                  <a:srgbClr val="DCDCAA"/>
+                </a:solidFill>
+                <a:latin typeface="Consolas" panose="020B0609020204030204" pitchFamily="49" charset="0"/>
+              </a:rPr>
+              <a:t>createContext</a:t>
+            </a:r>
+            <a:r>
+              <a:rPr lang="en-US" sz="1200" dirty="0">
+                <a:solidFill>
+                  <a:srgbClr val="CCCCCC"/>
+                </a:solidFill>
+                <a:latin typeface="Consolas" panose="020B0609020204030204" pitchFamily="49" charset="0"/>
+              </a:rPr>
+              <a:t>(</a:t>
+            </a:r>
+            <a:r>
+              <a:rPr lang="en-US" sz="1200" dirty="0">
+                <a:solidFill>
+                  <a:srgbClr val="CE9178"/>
+                </a:solidFill>
+                <a:latin typeface="Consolas" panose="020B0609020204030204" pitchFamily="49" charset="0"/>
+              </a:rPr>
+              <a:t>"dark"</a:t>
+            </a:r>
+            <a:r>
+              <a:rPr lang="en-US" sz="1200" dirty="0">
+                <a:solidFill>
+                  <a:srgbClr val="CCCCCC"/>
+                </a:solidFill>
+                <a:latin typeface="Consolas" panose="020B0609020204030204" pitchFamily="49" charset="0"/>
+              </a:rPr>
+              <a:t>);</a:t>
+            </a:r>
+          </a:p>
+          <a:p>
+            <a:r>
+              <a:rPr lang="en-US" sz="1200" dirty="0">
+                <a:solidFill>
+                  <a:srgbClr val="CCCCCC"/>
+                </a:solidFill>
+                <a:latin typeface="Consolas" panose="020B0609020204030204" pitchFamily="49" charset="0"/>
+              </a:rPr>
+              <a:t/>
+            </a:r>
+            <a:br>
+              <a:rPr lang="en-US" sz="1200" dirty="0">
+                <a:solidFill>
+                  <a:srgbClr val="CCCCCC"/>
+                </a:solidFill>
+                <a:latin typeface="Consolas" panose="020B0609020204030204" pitchFamily="49" charset="0"/>
+              </a:rPr>
+            </a:br>
+            <a:r>
+              <a:rPr lang="en-US" sz="1200" dirty="0">
+                <a:solidFill>
+                  <a:srgbClr val="C586C0"/>
+                </a:solidFill>
+                <a:latin typeface="Consolas" panose="020B0609020204030204" pitchFamily="49" charset="0"/>
+              </a:rPr>
+              <a:t>export</a:t>
+            </a:r>
+            <a:r>
+              <a:rPr lang="en-US" sz="1200" dirty="0">
+                <a:solidFill>
+                  <a:srgbClr val="CCCCCC"/>
+                </a:solidFill>
+                <a:latin typeface="Consolas" panose="020B0609020204030204" pitchFamily="49" charset="0"/>
+              </a:rPr>
+              <a:t> </a:t>
+            </a:r>
+            <a:r>
+              <a:rPr lang="en-US" sz="1200" dirty="0">
+                <a:solidFill>
+                  <a:srgbClr val="569CD6"/>
+                </a:solidFill>
+                <a:latin typeface="Consolas" panose="020B0609020204030204" pitchFamily="49" charset="0"/>
+              </a:rPr>
+              <a:t>const</a:t>
+            </a:r>
+            <a:r>
+              <a:rPr lang="en-US" sz="1200" dirty="0">
+                <a:solidFill>
+                  <a:srgbClr val="CCCCCC"/>
+                </a:solidFill>
+                <a:latin typeface="Consolas" panose="020B0609020204030204" pitchFamily="49" charset="0"/>
+              </a:rPr>
+              <a:t> </a:t>
+            </a:r>
+            <a:r>
+              <a:rPr lang="en-US" sz="1200" dirty="0">
+                <a:solidFill>
+                  <a:srgbClr val="DCDCAA"/>
+                </a:solidFill>
+                <a:latin typeface="Consolas" panose="020B0609020204030204" pitchFamily="49" charset="0"/>
+              </a:rPr>
+              <a:t>ThemeProvider</a:t>
+            </a:r>
+            <a:r>
+              <a:rPr lang="en-US" sz="1200" dirty="0">
+                <a:solidFill>
+                  <a:srgbClr val="CCCCCC"/>
+                </a:solidFill>
+                <a:latin typeface="Consolas" panose="020B0609020204030204" pitchFamily="49" charset="0"/>
+              </a:rPr>
+              <a:t> </a:t>
+            </a:r>
+            <a:r>
+              <a:rPr lang="en-US" sz="1200" dirty="0">
+                <a:solidFill>
+                  <a:srgbClr val="D4D4D4"/>
+                </a:solidFill>
+                <a:latin typeface="Consolas" panose="020B0609020204030204" pitchFamily="49" charset="0"/>
+              </a:rPr>
+              <a:t>=</a:t>
+            </a:r>
+            <a:r>
+              <a:rPr lang="en-US" sz="1200" dirty="0">
+                <a:solidFill>
+                  <a:srgbClr val="CCCCCC"/>
+                </a:solidFill>
+                <a:latin typeface="Consolas" panose="020B0609020204030204" pitchFamily="49" charset="0"/>
+              </a:rPr>
+              <a:t> ({ </a:t>
+            </a:r>
+            <a:r>
+              <a:rPr lang="en-US" sz="1200" dirty="0">
+                <a:solidFill>
+                  <a:srgbClr val="9CDCFE"/>
+                </a:solidFill>
+                <a:latin typeface="Consolas" panose="020B0609020204030204" pitchFamily="49" charset="0"/>
+              </a:rPr>
+              <a:t>children</a:t>
+            </a:r>
+            <a:r>
+              <a:rPr lang="en-US" sz="1200" dirty="0">
+                <a:solidFill>
+                  <a:srgbClr val="CCCCCC"/>
+                </a:solidFill>
+                <a:latin typeface="Consolas" panose="020B0609020204030204" pitchFamily="49" charset="0"/>
+              </a:rPr>
+              <a:t> }) </a:t>
+            </a:r>
+            <a:r>
+              <a:rPr lang="en-US" sz="1200" dirty="0">
+                <a:solidFill>
+                  <a:srgbClr val="569CD6"/>
+                </a:solidFill>
+                <a:latin typeface="Consolas" panose="020B0609020204030204" pitchFamily="49" charset="0"/>
+              </a:rPr>
+              <a:t>=&gt;</a:t>
+            </a:r>
+            <a:r>
+              <a:rPr lang="en-US" sz="1200" dirty="0">
+                <a:solidFill>
+                  <a:srgbClr val="CCCCCC"/>
+                </a:solidFill>
+                <a:latin typeface="Consolas" panose="020B0609020204030204" pitchFamily="49" charset="0"/>
+              </a:rPr>
+              <a:t> {</a:t>
+            </a:r>
+          </a:p>
+          <a:p>
+            <a:r>
+              <a:rPr lang="en-US" sz="1200" dirty="0">
+                <a:solidFill>
+                  <a:srgbClr val="CCCCCC"/>
+                </a:solidFill>
+                <a:latin typeface="Consolas" panose="020B0609020204030204" pitchFamily="49" charset="0"/>
+              </a:rPr>
+              <a:t>  </a:t>
+            </a:r>
+            <a:r>
+              <a:rPr lang="en-US" sz="1200" dirty="0">
+                <a:solidFill>
+                  <a:srgbClr val="569CD6"/>
+                </a:solidFill>
+                <a:latin typeface="Consolas" panose="020B0609020204030204" pitchFamily="49" charset="0"/>
+              </a:rPr>
+              <a:t>const</a:t>
+            </a:r>
+            <a:r>
+              <a:rPr lang="en-US" sz="1200" dirty="0">
+                <a:solidFill>
+                  <a:srgbClr val="CCCCCC"/>
+                </a:solidFill>
+                <a:latin typeface="Consolas" panose="020B0609020204030204" pitchFamily="49" charset="0"/>
+              </a:rPr>
+              <a:t> [</a:t>
+            </a:r>
+            <a:r>
+              <a:rPr lang="en-US" sz="1200" dirty="0">
+                <a:solidFill>
+                  <a:srgbClr val="4FC1FF"/>
+                </a:solidFill>
+                <a:latin typeface="Consolas" panose="020B0609020204030204" pitchFamily="49" charset="0"/>
+              </a:rPr>
+              <a:t>theme</a:t>
+            </a:r>
+            <a:r>
+              <a:rPr lang="en-US" sz="1200" dirty="0">
+                <a:solidFill>
+                  <a:srgbClr val="CCCCCC"/>
+                </a:solidFill>
+                <a:latin typeface="Consolas" panose="020B0609020204030204" pitchFamily="49" charset="0"/>
+              </a:rPr>
+              <a:t>, </a:t>
+            </a:r>
+            <a:r>
+              <a:rPr lang="en-US" sz="1200" dirty="0">
+                <a:solidFill>
+                  <a:srgbClr val="DCDCAA"/>
+                </a:solidFill>
+                <a:latin typeface="Consolas" panose="020B0609020204030204" pitchFamily="49" charset="0"/>
+              </a:rPr>
+              <a:t>setTheme</a:t>
+            </a:r>
+            <a:r>
+              <a:rPr lang="en-US" sz="1200" dirty="0">
+                <a:solidFill>
+                  <a:srgbClr val="CCCCCC"/>
+                </a:solidFill>
+                <a:latin typeface="Consolas" panose="020B0609020204030204" pitchFamily="49" charset="0"/>
+              </a:rPr>
+              <a:t>] </a:t>
+            </a:r>
+            <a:r>
+              <a:rPr lang="en-US" sz="1200" dirty="0">
+                <a:solidFill>
+                  <a:srgbClr val="D4D4D4"/>
+                </a:solidFill>
+                <a:latin typeface="Consolas" panose="020B0609020204030204" pitchFamily="49" charset="0"/>
+              </a:rPr>
+              <a:t>=</a:t>
+            </a:r>
+            <a:r>
+              <a:rPr lang="en-US" sz="1200" dirty="0">
+                <a:solidFill>
+                  <a:srgbClr val="CCCCCC"/>
+                </a:solidFill>
+                <a:latin typeface="Consolas" panose="020B0609020204030204" pitchFamily="49" charset="0"/>
+              </a:rPr>
+              <a:t> </a:t>
+            </a:r>
+            <a:r>
+              <a:rPr lang="en-US" sz="1200" dirty="0">
+                <a:solidFill>
+                  <a:srgbClr val="DCDCAA"/>
+                </a:solidFill>
+                <a:latin typeface="Consolas" panose="020B0609020204030204" pitchFamily="49" charset="0"/>
+              </a:rPr>
+              <a:t>useState</a:t>
+            </a:r>
+            <a:r>
+              <a:rPr lang="en-US" sz="1200" dirty="0">
+                <a:solidFill>
+                  <a:srgbClr val="CCCCCC"/>
+                </a:solidFill>
+                <a:latin typeface="Consolas" panose="020B0609020204030204" pitchFamily="49" charset="0"/>
+              </a:rPr>
+              <a:t>(</a:t>
+            </a:r>
+            <a:r>
+              <a:rPr lang="en-US" sz="1200" dirty="0">
+                <a:solidFill>
+                  <a:srgbClr val="CE9178"/>
+                </a:solidFill>
+                <a:latin typeface="Consolas" panose="020B0609020204030204" pitchFamily="49" charset="0"/>
+              </a:rPr>
+              <a:t>"light"</a:t>
+            </a:r>
+            <a:r>
+              <a:rPr lang="en-US" sz="1200" dirty="0">
+                <a:solidFill>
+                  <a:srgbClr val="CCCCCC"/>
+                </a:solidFill>
+                <a:latin typeface="Consolas" panose="020B0609020204030204" pitchFamily="49" charset="0"/>
+              </a:rPr>
+              <a:t>);</a:t>
+            </a:r>
+          </a:p>
+          <a:p>
+            <a:r>
+              <a:rPr lang="en-US" sz="1200" dirty="0">
+                <a:solidFill>
+                  <a:srgbClr val="CCCCCC"/>
+                </a:solidFill>
+                <a:latin typeface="Consolas" panose="020B0609020204030204" pitchFamily="49" charset="0"/>
+              </a:rPr>
+              <a:t/>
+            </a:r>
+            <a:br>
+              <a:rPr lang="en-US" sz="1200" dirty="0">
+                <a:solidFill>
+                  <a:srgbClr val="CCCCCC"/>
+                </a:solidFill>
+                <a:latin typeface="Consolas" panose="020B0609020204030204" pitchFamily="49" charset="0"/>
+              </a:rPr>
+            </a:br>
+            <a:r>
+              <a:rPr lang="en-US" sz="1200" dirty="0">
+                <a:solidFill>
+                  <a:srgbClr val="CCCCCC"/>
+                </a:solidFill>
+                <a:latin typeface="Consolas" panose="020B0609020204030204" pitchFamily="49" charset="0"/>
+              </a:rPr>
+              <a:t>  </a:t>
+            </a:r>
+            <a:r>
+              <a:rPr lang="en-US" sz="1200" dirty="0">
+                <a:solidFill>
+                  <a:srgbClr val="569CD6"/>
+                </a:solidFill>
+                <a:latin typeface="Consolas" panose="020B0609020204030204" pitchFamily="49" charset="0"/>
+              </a:rPr>
+              <a:t>const</a:t>
+            </a:r>
+            <a:r>
+              <a:rPr lang="en-US" sz="1200" dirty="0">
+                <a:solidFill>
+                  <a:srgbClr val="CCCCCC"/>
+                </a:solidFill>
+                <a:latin typeface="Consolas" panose="020B0609020204030204" pitchFamily="49" charset="0"/>
+              </a:rPr>
+              <a:t> </a:t>
+            </a:r>
+            <a:r>
+              <a:rPr lang="en-US" sz="1200" dirty="0">
+                <a:solidFill>
+                  <a:srgbClr val="DCDCAA"/>
+                </a:solidFill>
+                <a:latin typeface="Consolas" panose="020B0609020204030204" pitchFamily="49" charset="0"/>
+              </a:rPr>
+              <a:t>changeTheme</a:t>
+            </a:r>
+            <a:r>
+              <a:rPr lang="en-US" sz="1200" dirty="0">
+                <a:solidFill>
+                  <a:srgbClr val="CCCCCC"/>
+                </a:solidFill>
+                <a:latin typeface="Consolas" panose="020B0609020204030204" pitchFamily="49" charset="0"/>
+              </a:rPr>
+              <a:t> </a:t>
+            </a:r>
+            <a:r>
+              <a:rPr lang="en-US" sz="1200" dirty="0">
+                <a:solidFill>
+                  <a:srgbClr val="D4D4D4"/>
+                </a:solidFill>
+                <a:latin typeface="Consolas" panose="020B0609020204030204" pitchFamily="49" charset="0"/>
+              </a:rPr>
+              <a:t>=</a:t>
+            </a:r>
+            <a:r>
+              <a:rPr lang="en-US" sz="1200" dirty="0">
+                <a:solidFill>
+                  <a:srgbClr val="CCCCCC"/>
+                </a:solidFill>
+                <a:latin typeface="Consolas" panose="020B0609020204030204" pitchFamily="49" charset="0"/>
+              </a:rPr>
+              <a:t> () </a:t>
+            </a:r>
+            <a:r>
+              <a:rPr lang="en-US" sz="1200" dirty="0">
+                <a:solidFill>
+                  <a:srgbClr val="569CD6"/>
+                </a:solidFill>
+                <a:latin typeface="Consolas" panose="020B0609020204030204" pitchFamily="49" charset="0"/>
+              </a:rPr>
+              <a:t>=&gt;</a:t>
+            </a:r>
+            <a:r>
+              <a:rPr lang="en-US" sz="1200" dirty="0">
+                <a:solidFill>
+                  <a:srgbClr val="CCCCCC"/>
+                </a:solidFill>
+                <a:latin typeface="Consolas" panose="020B0609020204030204" pitchFamily="49" charset="0"/>
+              </a:rPr>
+              <a:t> {</a:t>
+            </a:r>
+          </a:p>
+          <a:p>
+            <a:r>
+              <a:rPr lang="en-US" sz="1200" dirty="0">
+                <a:solidFill>
+                  <a:srgbClr val="CCCCCC"/>
+                </a:solidFill>
+                <a:latin typeface="Consolas" panose="020B0609020204030204" pitchFamily="49" charset="0"/>
+              </a:rPr>
+              <a:t>    </a:t>
+            </a:r>
+            <a:r>
+              <a:rPr lang="en-US" sz="1200" dirty="0">
+                <a:solidFill>
+                  <a:srgbClr val="DCDCAA"/>
+                </a:solidFill>
+                <a:latin typeface="Consolas" panose="020B0609020204030204" pitchFamily="49" charset="0"/>
+              </a:rPr>
+              <a:t>setTheme</a:t>
+            </a:r>
+            <a:r>
+              <a:rPr lang="en-US" sz="1200" dirty="0">
+                <a:solidFill>
+                  <a:srgbClr val="CCCCCC"/>
+                </a:solidFill>
+                <a:latin typeface="Consolas" panose="020B0609020204030204" pitchFamily="49" charset="0"/>
+              </a:rPr>
+              <a:t>(</a:t>
+            </a:r>
+            <a:r>
+              <a:rPr lang="en-US" sz="1200" dirty="0">
+                <a:solidFill>
+                  <a:srgbClr val="4FC1FF"/>
+                </a:solidFill>
+                <a:latin typeface="Consolas" panose="020B0609020204030204" pitchFamily="49" charset="0"/>
+              </a:rPr>
+              <a:t>theme</a:t>
+            </a:r>
+            <a:r>
+              <a:rPr lang="en-US" sz="1200" dirty="0">
+                <a:solidFill>
+                  <a:srgbClr val="CCCCCC"/>
+                </a:solidFill>
+                <a:latin typeface="Consolas" panose="020B0609020204030204" pitchFamily="49" charset="0"/>
+              </a:rPr>
+              <a:t> </a:t>
+            </a:r>
+            <a:r>
+              <a:rPr lang="en-US" sz="1200" dirty="0">
+                <a:solidFill>
+                  <a:srgbClr val="D4D4D4"/>
+                </a:solidFill>
+                <a:latin typeface="Consolas" panose="020B0609020204030204" pitchFamily="49" charset="0"/>
+              </a:rPr>
+              <a:t>===</a:t>
+            </a:r>
+            <a:r>
+              <a:rPr lang="en-US" sz="1200" dirty="0">
+                <a:solidFill>
+                  <a:srgbClr val="CCCCCC"/>
+                </a:solidFill>
+                <a:latin typeface="Consolas" panose="020B0609020204030204" pitchFamily="49" charset="0"/>
+              </a:rPr>
+              <a:t> </a:t>
+            </a:r>
+            <a:r>
+              <a:rPr lang="en-US" sz="1200" dirty="0">
+                <a:solidFill>
+                  <a:srgbClr val="CE9178"/>
+                </a:solidFill>
+                <a:latin typeface="Consolas" panose="020B0609020204030204" pitchFamily="49" charset="0"/>
+              </a:rPr>
+              <a:t>"light"</a:t>
+            </a:r>
+            <a:r>
+              <a:rPr lang="en-US" sz="1200" dirty="0">
+                <a:solidFill>
+                  <a:srgbClr val="CCCCCC"/>
+                </a:solidFill>
+                <a:latin typeface="Consolas" panose="020B0609020204030204" pitchFamily="49" charset="0"/>
+              </a:rPr>
+              <a:t> </a:t>
+            </a:r>
+            <a:r>
+              <a:rPr lang="en-US" sz="1200" dirty="0">
+                <a:solidFill>
+                  <a:srgbClr val="D4D4D4"/>
+                </a:solidFill>
+                <a:latin typeface="Consolas" panose="020B0609020204030204" pitchFamily="49" charset="0"/>
+              </a:rPr>
+              <a:t>?</a:t>
+            </a:r>
+            <a:r>
+              <a:rPr lang="en-US" sz="1200" dirty="0">
+                <a:solidFill>
+                  <a:srgbClr val="CCCCCC"/>
+                </a:solidFill>
+                <a:latin typeface="Consolas" panose="020B0609020204030204" pitchFamily="49" charset="0"/>
+              </a:rPr>
+              <a:t> </a:t>
+            </a:r>
+            <a:r>
+              <a:rPr lang="en-US" sz="1200" dirty="0">
+                <a:solidFill>
+                  <a:srgbClr val="CE9178"/>
+                </a:solidFill>
+                <a:latin typeface="Consolas" panose="020B0609020204030204" pitchFamily="49" charset="0"/>
+              </a:rPr>
+              <a:t>"dark"</a:t>
+            </a:r>
+            <a:r>
+              <a:rPr lang="en-US" sz="1200" dirty="0">
+                <a:solidFill>
+                  <a:srgbClr val="CCCCCC"/>
+                </a:solidFill>
+                <a:latin typeface="Consolas" panose="020B0609020204030204" pitchFamily="49" charset="0"/>
+              </a:rPr>
+              <a:t> </a:t>
+            </a:r>
+            <a:r>
+              <a:rPr lang="en-US" sz="1200" dirty="0">
+                <a:solidFill>
+                  <a:srgbClr val="D4D4D4"/>
+                </a:solidFill>
+                <a:latin typeface="Consolas" panose="020B0609020204030204" pitchFamily="49" charset="0"/>
+              </a:rPr>
+              <a:t>:</a:t>
+            </a:r>
+            <a:r>
+              <a:rPr lang="en-US" sz="1200" dirty="0">
+                <a:solidFill>
+                  <a:srgbClr val="CCCCCC"/>
+                </a:solidFill>
+                <a:latin typeface="Consolas" panose="020B0609020204030204" pitchFamily="49" charset="0"/>
+              </a:rPr>
+              <a:t> </a:t>
+            </a:r>
+            <a:r>
+              <a:rPr lang="en-US" sz="1200" dirty="0">
+                <a:solidFill>
+                  <a:srgbClr val="CE9178"/>
+                </a:solidFill>
+                <a:latin typeface="Consolas" panose="020B0609020204030204" pitchFamily="49" charset="0"/>
+              </a:rPr>
+              <a:t>"light"</a:t>
+            </a:r>
+            <a:r>
+              <a:rPr lang="en-US" sz="1200" dirty="0">
+                <a:solidFill>
+                  <a:srgbClr val="CCCCCC"/>
+                </a:solidFill>
+                <a:latin typeface="Consolas" panose="020B0609020204030204" pitchFamily="49" charset="0"/>
+              </a:rPr>
+              <a:t>);</a:t>
+            </a:r>
+          </a:p>
+          <a:p>
+            <a:r>
+              <a:rPr lang="en-US" sz="1200" dirty="0">
+                <a:solidFill>
+                  <a:srgbClr val="CCCCCC"/>
+                </a:solidFill>
+                <a:latin typeface="Consolas" panose="020B0609020204030204" pitchFamily="49" charset="0"/>
+              </a:rPr>
+              <a:t>  };</a:t>
+            </a:r>
+          </a:p>
+          <a:p>
+            <a:r>
+              <a:rPr lang="en-US" sz="1200" dirty="0">
+                <a:solidFill>
+                  <a:srgbClr val="CCCCCC"/>
+                </a:solidFill>
+                <a:latin typeface="Consolas" panose="020B0609020204030204" pitchFamily="49" charset="0"/>
+              </a:rPr>
+              <a:t/>
+            </a:r>
+            <a:br>
+              <a:rPr lang="en-US" sz="1200" dirty="0">
+                <a:solidFill>
+                  <a:srgbClr val="CCCCCC"/>
+                </a:solidFill>
+                <a:latin typeface="Consolas" panose="020B0609020204030204" pitchFamily="49" charset="0"/>
+              </a:rPr>
+            </a:br>
+            <a:r>
+              <a:rPr lang="en-US" sz="1200" dirty="0">
+                <a:solidFill>
+                  <a:srgbClr val="CCCCCC"/>
+                </a:solidFill>
+                <a:latin typeface="Consolas" panose="020B0609020204030204" pitchFamily="49" charset="0"/>
+              </a:rPr>
+              <a:t>  </a:t>
+            </a:r>
+            <a:r>
+              <a:rPr lang="en-US" sz="1200" dirty="0">
+                <a:solidFill>
+                  <a:srgbClr val="C586C0"/>
+                </a:solidFill>
+                <a:latin typeface="Consolas" panose="020B0609020204030204" pitchFamily="49" charset="0"/>
+              </a:rPr>
+              <a:t>return</a:t>
+            </a:r>
+            <a:r>
+              <a:rPr lang="en-US" sz="1200" dirty="0">
+                <a:solidFill>
+                  <a:srgbClr val="CCCCCC"/>
+                </a:solidFill>
+                <a:latin typeface="Consolas" panose="020B0609020204030204" pitchFamily="49" charset="0"/>
+              </a:rPr>
+              <a:t> (</a:t>
+            </a:r>
+          </a:p>
+          <a:p>
+            <a:r>
+              <a:rPr lang="en-US" sz="1200" dirty="0">
+                <a:solidFill>
+                  <a:srgbClr val="CCCCCC"/>
+                </a:solidFill>
+                <a:latin typeface="Consolas" panose="020B0609020204030204" pitchFamily="49" charset="0"/>
+              </a:rPr>
+              <a:t>    </a:t>
+            </a:r>
+            <a:r>
+              <a:rPr lang="en-US" sz="1200" dirty="0">
+                <a:solidFill>
+                  <a:srgbClr val="808080"/>
+                </a:solidFill>
+                <a:latin typeface="Consolas" panose="020B0609020204030204" pitchFamily="49" charset="0"/>
+              </a:rPr>
+              <a:t>&lt;</a:t>
+            </a:r>
+            <a:r>
+              <a:rPr lang="en-US" sz="1200" dirty="0">
+                <a:solidFill>
+                  <a:srgbClr val="4EC9B0"/>
+                </a:solidFill>
+                <a:latin typeface="Consolas" panose="020B0609020204030204" pitchFamily="49" charset="0"/>
+              </a:rPr>
+              <a:t>ThemeContext.Provider</a:t>
+            </a:r>
+            <a:r>
+              <a:rPr lang="en-US" sz="1200" dirty="0">
+                <a:solidFill>
+                  <a:srgbClr val="CCCCCC"/>
+                </a:solidFill>
+                <a:latin typeface="Consolas" panose="020B0609020204030204" pitchFamily="49" charset="0"/>
+              </a:rPr>
+              <a:t> </a:t>
+            </a:r>
+            <a:r>
+              <a:rPr lang="en-US" sz="1200" dirty="0">
+                <a:solidFill>
+                  <a:srgbClr val="9CDCFE"/>
+                </a:solidFill>
+                <a:latin typeface="Consolas" panose="020B0609020204030204" pitchFamily="49" charset="0"/>
+              </a:rPr>
+              <a:t>value</a:t>
+            </a:r>
+            <a:r>
+              <a:rPr lang="en-US" sz="1200" dirty="0">
+                <a:solidFill>
+                  <a:srgbClr val="D4D4D4"/>
+                </a:solidFill>
+                <a:latin typeface="Consolas" panose="020B0609020204030204" pitchFamily="49" charset="0"/>
+              </a:rPr>
+              <a:t>=</a:t>
+            </a:r>
+            <a:r>
+              <a:rPr lang="en-US" sz="1200" dirty="0">
+                <a:solidFill>
+                  <a:srgbClr val="569CD6"/>
+                </a:solidFill>
+                <a:latin typeface="Consolas" panose="020B0609020204030204" pitchFamily="49" charset="0"/>
+              </a:rPr>
+              <a:t>{</a:t>
+            </a:r>
+            <a:r>
+              <a:rPr lang="en-US" sz="1200" dirty="0">
+                <a:solidFill>
+                  <a:srgbClr val="D4D4D4"/>
+                </a:solidFill>
+                <a:latin typeface="Consolas" panose="020B0609020204030204" pitchFamily="49" charset="0"/>
+              </a:rPr>
+              <a:t>{ </a:t>
+            </a:r>
+            <a:r>
+              <a:rPr lang="en-US" sz="1200" dirty="0">
+                <a:solidFill>
+                  <a:srgbClr val="9CDCFE"/>
+                </a:solidFill>
+                <a:latin typeface="Consolas" panose="020B0609020204030204" pitchFamily="49" charset="0"/>
+              </a:rPr>
+              <a:t>theme</a:t>
+            </a:r>
+            <a:r>
+              <a:rPr lang="en-US" sz="1200" dirty="0">
+                <a:solidFill>
+                  <a:srgbClr val="D4D4D4"/>
+                </a:solidFill>
+                <a:latin typeface="Consolas" panose="020B0609020204030204" pitchFamily="49" charset="0"/>
+              </a:rPr>
+              <a:t>, </a:t>
+            </a:r>
+            <a:r>
+              <a:rPr lang="en-US" sz="1200" dirty="0">
+                <a:solidFill>
+                  <a:srgbClr val="DCDCAA"/>
+                </a:solidFill>
+                <a:latin typeface="Consolas" panose="020B0609020204030204" pitchFamily="49" charset="0"/>
+              </a:rPr>
+              <a:t>changeTheme</a:t>
+            </a:r>
+            <a:r>
+              <a:rPr lang="en-US" sz="1200" dirty="0">
+                <a:solidFill>
+                  <a:srgbClr val="D4D4D4"/>
+                </a:solidFill>
+                <a:latin typeface="Consolas" panose="020B0609020204030204" pitchFamily="49" charset="0"/>
+              </a:rPr>
+              <a:t> }</a:t>
+            </a:r>
+            <a:r>
+              <a:rPr lang="en-US" sz="1200" dirty="0">
+                <a:solidFill>
+                  <a:srgbClr val="569CD6"/>
+                </a:solidFill>
+                <a:latin typeface="Consolas" panose="020B0609020204030204" pitchFamily="49" charset="0"/>
+              </a:rPr>
+              <a:t>}</a:t>
+            </a:r>
+            <a:r>
+              <a:rPr lang="en-US" sz="1200" dirty="0">
+                <a:solidFill>
+                  <a:srgbClr val="808080"/>
+                </a:solidFill>
+                <a:latin typeface="Consolas" panose="020B0609020204030204" pitchFamily="49" charset="0"/>
+              </a:rPr>
+              <a:t>&gt;</a:t>
+            </a:r>
+            <a:endParaRPr lang="en-US" sz="1200" dirty="0">
+              <a:solidFill>
+                <a:srgbClr val="CCCCCC"/>
+              </a:solidFill>
+              <a:latin typeface="Consolas" panose="020B0609020204030204" pitchFamily="49" charset="0"/>
+            </a:endParaRPr>
+          </a:p>
+          <a:p>
+            <a:r>
+              <a:rPr lang="en-US" sz="1200" dirty="0">
+                <a:solidFill>
+                  <a:srgbClr val="CCCCCC"/>
+                </a:solidFill>
+                <a:latin typeface="Consolas" panose="020B0609020204030204" pitchFamily="49" charset="0"/>
+              </a:rPr>
+              <a:t>      </a:t>
+            </a:r>
+            <a:r>
+              <a:rPr lang="en-US" sz="1200" dirty="0">
+                <a:solidFill>
+                  <a:srgbClr val="569CD6"/>
+                </a:solidFill>
+                <a:latin typeface="Consolas" panose="020B0609020204030204" pitchFamily="49" charset="0"/>
+              </a:rPr>
+              <a:t>{</a:t>
+            </a:r>
+            <a:r>
+              <a:rPr lang="en-US" sz="1200" dirty="0">
+                <a:solidFill>
+                  <a:srgbClr val="9CDCFE"/>
+                </a:solidFill>
+                <a:latin typeface="Consolas" panose="020B0609020204030204" pitchFamily="49" charset="0"/>
+              </a:rPr>
+              <a:t>children</a:t>
+            </a:r>
+            <a:r>
+              <a:rPr lang="en-US" sz="1200" dirty="0">
+                <a:solidFill>
+                  <a:srgbClr val="569CD6"/>
+                </a:solidFill>
+                <a:latin typeface="Consolas" panose="020B0609020204030204" pitchFamily="49" charset="0"/>
+              </a:rPr>
+              <a:t>}</a:t>
+            </a:r>
+            <a:endParaRPr lang="en-US" sz="1200" dirty="0">
+              <a:solidFill>
+                <a:srgbClr val="CCCCCC"/>
+              </a:solidFill>
+              <a:latin typeface="Consolas" panose="020B0609020204030204" pitchFamily="49" charset="0"/>
+            </a:endParaRPr>
+          </a:p>
+          <a:p>
+            <a:r>
+              <a:rPr lang="en-US" sz="1200" dirty="0">
+                <a:solidFill>
+                  <a:srgbClr val="CCCCCC"/>
+                </a:solidFill>
+                <a:latin typeface="Consolas" panose="020B0609020204030204" pitchFamily="49" charset="0"/>
+              </a:rPr>
+              <a:t>    </a:t>
+            </a:r>
+            <a:r>
+              <a:rPr lang="en-US" sz="1200" dirty="0">
+                <a:solidFill>
+                  <a:srgbClr val="808080"/>
+                </a:solidFill>
+                <a:latin typeface="Consolas" panose="020B0609020204030204" pitchFamily="49" charset="0"/>
+              </a:rPr>
+              <a:t>&lt;/</a:t>
+            </a:r>
+            <a:r>
+              <a:rPr lang="en-US" sz="1200" dirty="0">
+                <a:solidFill>
+                  <a:srgbClr val="4EC9B0"/>
+                </a:solidFill>
+                <a:latin typeface="Consolas" panose="020B0609020204030204" pitchFamily="49" charset="0"/>
+              </a:rPr>
+              <a:t>ThemeContext.Provider</a:t>
+            </a:r>
+            <a:r>
+              <a:rPr lang="en-US" sz="1200" dirty="0">
+                <a:solidFill>
+                  <a:srgbClr val="808080"/>
+                </a:solidFill>
+                <a:latin typeface="Consolas" panose="020B0609020204030204" pitchFamily="49" charset="0"/>
+              </a:rPr>
+              <a:t>&gt;</a:t>
+            </a:r>
+            <a:endParaRPr lang="en-US" sz="1200" dirty="0">
+              <a:solidFill>
+                <a:srgbClr val="CCCCCC"/>
+              </a:solidFill>
+              <a:latin typeface="Consolas" panose="020B0609020204030204" pitchFamily="49" charset="0"/>
+            </a:endParaRPr>
+          </a:p>
+          <a:p>
+            <a:r>
+              <a:rPr lang="en-US" sz="1200" dirty="0">
+                <a:solidFill>
+                  <a:srgbClr val="CCCCCC"/>
+                </a:solidFill>
+                <a:latin typeface="Consolas" panose="020B0609020204030204" pitchFamily="49" charset="0"/>
+              </a:rPr>
+              <a:t>  );</a:t>
+            </a:r>
+          </a:p>
+          <a:p>
+            <a:r>
+              <a:rPr lang="en-US" sz="1200" dirty="0" smtClean="0">
+                <a:solidFill>
+                  <a:srgbClr val="CCCCCC"/>
+                </a:solidFill>
+                <a:latin typeface="Consolas" panose="020B0609020204030204" pitchFamily="49" charset="0"/>
+              </a:rPr>
+              <a:t>};</a:t>
+            </a:r>
+            <a:endParaRPr lang="en-US" sz="1200" b="0" dirty="0">
+              <a:solidFill>
+                <a:srgbClr val="CCCCCC"/>
+              </a:solidFill>
+              <a:effectLst/>
+              <a:latin typeface="Consolas" panose="020B0609020204030204" pitchFamily="49" charset="0"/>
+            </a:endParaRPr>
+          </a:p>
+        </p:txBody>
+      </p:sp>
+    </p:spTree>
+    <p:extLst>
+      <p:ext uri="{BB962C8B-B14F-4D97-AF65-F5344CB8AC3E}">
+        <p14:creationId xmlns:p14="http://schemas.microsoft.com/office/powerpoint/2010/main" val="656080605"/>
+      </p:ext>
+    </p:extLst>
+  </p:cSld>
+  <p:clrMapOvr>
+    <a:masterClrMapping/>
+  </p:clrMapOvr>
+</p:sld>
+</file>
+
+<file path=ppt/slides/slide14.xml><?xml version="1.0" encoding="utf-8"?>
+<p:sld xmlns:a="http://schemas.openxmlformats.org/drawingml/2006/main" xmlns:r="http://schemas.openxmlformats.org/officeDocument/2006/relationships" xmlns:p="http://schemas.openxmlformats.org/presentationml/2006/main">
+  <p:cSld>
+    <p:spTree>
+      <p:nvGrpSpPr>
+        <p:cNvPr id="1" name=""/>
+        <p:cNvGrpSpPr/>
+        <p:nvPr/>
+      </p:nvGrpSpPr>
+      <p:grpSpPr>
+        <a:xfrm>
+          <a:off x="0" y="0"/>
+          <a:ext cx="0" cy="0"/>
+          <a:chOff x="0" y="0"/>
+          <a:chExt cx="0" cy="0"/>
+        </a:xfrm>
+      </p:grpSpPr>
+      <p:sp>
+        <p:nvSpPr>
+          <p:cNvPr id="2" name="Title 1"/>
+          <p:cNvSpPr>
+            <a:spLocks noGrp="1"/>
+          </p:cNvSpPr>
+          <p:nvPr>
+            <p:ph type="title"/>
+          </p:nvPr>
+        </p:nvSpPr>
+        <p:spPr/>
+        <p:txBody>
+          <a:bodyPr>
+            <a:normAutofit/>
+          </a:bodyPr>
+          <a:lstStyle/>
+          <a:p>
+            <a:r>
+              <a:rPr lang="en-US" dirty="0" smtClean="0">
+                <a:latin typeface="Tahoma" panose="020B0604030504040204" pitchFamily="34" charset="0"/>
+                <a:ea typeface="Tahoma" panose="020B0604030504040204" pitchFamily="34" charset="0"/>
+                <a:cs typeface="Tahoma" panose="020B0604030504040204" pitchFamily="34" charset="0"/>
+              </a:rPr>
+              <a:t>Cách sử dụng</a:t>
+            </a:r>
+            <a:endParaRPr lang="en-US" dirty="0">
+              <a:latin typeface="Tahoma" panose="020B0604030504040204" pitchFamily="34" charset="0"/>
+              <a:ea typeface="Tahoma" panose="020B0604030504040204" pitchFamily="34" charset="0"/>
+              <a:cs typeface="Tahoma" panose="020B0604030504040204" pitchFamily="34" charset="0"/>
+            </a:endParaRPr>
+          </a:p>
+        </p:txBody>
+      </p:sp>
+      <p:sp>
+        <p:nvSpPr>
+          <p:cNvPr id="3" name="Content Placeholder 2"/>
+          <p:cNvSpPr>
+            <a:spLocks noGrp="1"/>
+          </p:cNvSpPr>
+          <p:nvPr>
+            <p:ph idx="1"/>
+          </p:nvPr>
+        </p:nvSpPr>
+        <p:spPr>
+          <a:xfrm>
+            <a:off x="2231136" y="2638044"/>
+            <a:ext cx="7729728" cy="3679629"/>
+          </a:xfrm>
+        </p:spPr>
+        <p:txBody>
+          <a:bodyPr>
+            <a:normAutofit/>
+          </a:bodyPr>
+          <a:lstStyle/>
+          <a:p>
+            <a:r>
+              <a:rPr lang="en-US" dirty="0" smtClean="0">
+                <a:latin typeface="Tahoma" panose="020B0604030504040204" pitchFamily="34" charset="0"/>
+                <a:ea typeface="Tahoma" panose="020B0604030504040204" pitchFamily="34" charset="0"/>
+                <a:cs typeface="Tahoma" panose="020B0604030504040204" pitchFamily="34" charset="0"/>
+              </a:rPr>
+              <a:t>File App.js chỉ còn ngắn gọn như này</a:t>
+            </a:r>
+          </a:p>
+          <a:p>
+            <a:endParaRPr lang="en-US" dirty="0" smtClean="0">
+              <a:latin typeface="Tahoma" panose="020B0604030504040204" pitchFamily="34" charset="0"/>
+              <a:ea typeface="Tahoma" panose="020B0604030504040204" pitchFamily="34" charset="0"/>
+              <a:cs typeface="Tahoma" panose="020B0604030504040204" pitchFamily="34" charset="0"/>
+            </a:endParaRPr>
+          </a:p>
+        </p:txBody>
+      </p:sp>
+      <p:sp>
+        <p:nvSpPr>
+          <p:cNvPr id="6" name="Rectangle 5"/>
+          <p:cNvSpPr/>
+          <p:nvPr/>
+        </p:nvSpPr>
+        <p:spPr>
+          <a:xfrm>
+            <a:off x="3048000" y="3128618"/>
+            <a:ext cx="6096000" cy="1754326"/>
+          </a:xfrm>
+          <a:prstGeom prst="rect">
+            <a:avLst/>
+          </a:prstGeom>
+          <a:solidFill>
+            <a:schemeClr val="tx1"/>
+          </a:solidFill>
+        </p:spPr>
+        <p:txBody>
+          <a:bodyPr>
+            <a:spAutoFit/>
+          </a:bodyPr>
+          <a:lstStyle/>
+          <a:p>
+            <a:r>
+              <a:rPr lang="en-US" sz="1200" dirty="0">
+                <a:solidFill>
+                  <a:srgbClr val="C586C0"/>
+                </a:solidFill>
+                <a:latin typeface="Consolas" panose="020B0609020204030204" pitchFamily="49" charset="0"/>
+              </a:rPr>
+              <a:t>export</a:t>
+            </a:r>
+            <a:r>
+              <a:rPr lang="en-US" sz="1200" dirty="0">
+                <a:solidFill>
+                  <a:srgbClr val="CCCCCC"/>
+                </a:solidFill>
+                <a:latin typeface="Consolas" panose="020B0609020204030204" pitchFamily="49" charset="0"/>
+              </a:rPr>
+              <a:t> </a:t>
+            </a:r>
+            <a:r>
+              <a:rPr lang="en-US" sz="1200" dirty="0">
+                <a:solidFill>
+                  <a:srgbClr val="C586C0"/>
+                </a:solidFill>
+                <a:latin typeface="Consolas" panose="020B0609020204030204" pitchFamily="49" charset="0"/>
+              </a:rPr>
+              <a:t>default</a:t>
+            </a:r>
+            <a:r>
+              <a:rPr lang="en-US" sz="1200" dirty="0">
+                <a:solidFill>
+                  <a:srgbClr val="CCCCCC"/>
+                </a:solidFill>
+                <a:latin typeface="Consolas" panose="020B0609020204030204" pitchFamily="49" charset="0"/>
+              </a:rPr>
+              <a:t> </a:t>
+            </a:r>
+            <a:r>
+              <a:rPr lang="en-US" sz="1200" dirty="0">
+                <a:solidFill>
+                  <a:srgbClr val="569CD6"/>
+                </a:solidFill>
+                <a:latin typeface="Consolas" panose="020B0609020204030204" pitchFamily="49" charset="0"/>
+              </a:rPr>
+              <a:t>function</a:t>
+            </a:r>
+            <a:r>
+              <a:rPr lang="en-US" sz="1200" dirty="0">
+                <a:solidFill>
+                  <a:srgbClr val="CCCCCC"/>
+                </a:solidFill>
+                <a:latin typeface="Consolas" panose="020B0609020204030204" pitchFamily="49" charset="0"/>
+              </a:rPr>
+              <a:t> </a:t>
+            </a:r>
+            <a:r>
+              <a:rPr lang="en-US" sz="1200" dirty="0">
+                <a:solidFill>
+                  <a:srgbClr val="DCDCAA"/>
+                </a:solidFill>
+                <a:latin typeface="Consolas" panose="020B0609020204030204" pitchFamily="49" charset="0"/>
+              </a:rPr>
+              <a:t>App</a:t>
+            </a:r>
+            <a:r>
+              <a:rPr lang="en-US" sz="1200" dirty="0">
+                <a:solidFill>
+                  <a:srgbClr val="CCCCCC"/>
+                </a:solidFill>
+                <a:latin typeface="Consolas" panose="020B0609020204030204" pitchFamily="49" charset="0"/>
+              </a:rPr>
+              <a:t>() {</a:t>
+            </a:r>
+          </a:p>
+          <a:p>
+            <a:r>
+              <a:rPr lang="en-US" sz="1200" dirty="0">
+                <a:solidFill>
+                  <a:srgbClr val="CCCCCC"/>
+                </a:solidFill>
+                <a:latin typeface="Consolas" panose="020B0609020204030204" pitchFamily="49" charset="0"/>
+              </a:rPr>
+              <a:t>  </a:t>
+            </a:r>
+            <a:r>
+              <a:rPr lang="en-US" sz="1200" dirty="0">
+                <a:solidFill>
+                  <a:srgbClr val="569CD6"/>
+                </a:solidFill>
+                <a:latin typeface="Consolas" panose="020B0609020204030204" pitchFamily="49" charset="0"/>
+              </a:rPr>
+              <a:t>const</a:t>
+            </a:r>
+            <a:r>
+              <a:rPr lang="en-US" sz="1200" dirty="0">
+                <a:solidFill>
+                  <a:srgbClr val="CCCCCC"/>
+                </a:solidFill>
+                <a:latin typeface="Consolas" panose="020B0609020204030204" pitchFamily="49" charset="0"/>
+              </a:rPr>
+              <a:t> </a:t>
+            </a:r>
+            <a:r>
+              <a:rPr lang="en-US" sz="1200" dirty="0">
+                <a:solidFill>
+                  <a:srgbClr val="4FC1FF"/>
+                </a:solidFill>
+                <a:latin typeface="Consolas" panose="020B0609020204030204" pitchFamily="49" charset="0"/>
+              </a:rPr>
+              <a:t>theme</a:t>
+            </a:r>
+            <a:r>
+              <a:rPr lang="en-US" sz="1200" dirty="0">
+                <a:solidFill>
+                  <a:srgbClr val="CCCCCC"/>
+                </a:solidFill>
+                <a:latin typeface="Consolas" panose="020B0609020204030204" pitchFamily="49" charset="0"/>
+              </a:rPr>
+              <a:t> </a:t>
+            </a:r>
+            <a:r>
+              <a:rPr lang="en-US" sz="1200" dirty="0">
+                <a:solidFill>
+                  <a:srgbClr val="D4D4D4"/>
+                </a:solidFill>
+                <a:latin typeface="Consolas" panose="020B0609020204030204" pitchFamily="49" charset="0"/>
+              </a:rPr>
+              <a:t>=</a:t>
+            </a:r>
+            <a:r>
+              <a:rPr lang="en-US" sz="1200" dirty="0">
+                <a:solidFill>
+                  <a:srgbClr val="CCCCCC"/>
+                </a:solidFill>
+                <a:latin typeface="Consolas" panose="020B0609020204030204" pitchFamily="49" charset="0"/>
+              </a:rPr>
+              <a:t> </a:t>
+            </a:r>
+            <a:r>
+              <a:rPr lang="en-US" sz="1200" dirty="0">
+                <a:solidFill>
+                  <a:srgbClr val="DCDCAA"/>
+                </a:solidFill>
+                <a:latin typeface="Consolas" panose="020B0609020204030204" pitchFamily="49" charset="0"/>
+              </a:rPr>
+              <a:t>useContext</a:t>
+            </a:r>
+            <a:r>
+              <a:rPr lang="en-US" sz="1200" dirty="0">
+                <a:solidFill>
+                  <a:srgbClr val="CCCCCC"/>
+                </a:solidFill>
+                <a:latin typeface="Consolas" panose="020B0609020204030204" pitchFamily="49" charset="0"/>
+              </a:rPr>
+              <a:t>(</a:t>
+            </a:r>
+            <a:r>
+              <a:rPr lang="en-US" sz="1200" dirty="0">
+                <a:solidFill>
+                  <a:srgbClr val="4FC1FF"/>
+                </a:solidFill>
+                <a:latin typeface="Consolas" panose="020B0609020204030204" pitchFamily="49" charset="0"/>
+              </a:rPr>
+              <a:t>ThemeContext</a:t>
+            </a:r>
+            <a:r>
+              <a:rPr lang="en-US" sz="1200" dirty="0">
+                <a:solidFill>
+                  <a:srgbClr val="CCCCCC"/>
+                </a:solidFill>
+                <a:latin typeface="Consolas" panose="020B0609020204030204" pitchFamily="49" charset="0"/>
+              </a:rPr>
+              <a:t>);</a:t>
+            </a:r>
+          </a:p>
+          <a:p>
+            <a:r>
+              <a:rPr lang="en-US" sz="1200" dirty="0">
+                <a:solidFill>
+                  <a:srgbClr val="CCCCCC"/>
+                </a:solidFill>
+                <a:latin typeface="Consolas" panose="020B0609020204030204" pitchFamily="49" charset="0"/>
+              </a:rPr>
+              <a:t>  </a:t>
+            </a:r>
+            <a:r>
+              <a:rPr lang="en-US" sz="1200" dirty="0">
+                <a:solidFill>
+                  <a:srgbClr val="C586C0"/>
+                </a:solidFill>
+                <a:latin typeface="Consolas" panose="020B0609020204030204" pitchFamily="49" charset="0"/>
+              </a:rPr>
+              <a:t>return</a:t>
+            </a:r>
+            <a:r>
+              <a:rPr lang="en-US" sz="1200" dirty="0">
+                <a:solidFill>
+                  <a:srgbClr val="CCCCCC"/>
+                </a:solidFill>
+                <a:latin typeface="Consolas" panose="020B0609020204030204" pitchFamily="49" charset="0"/>
+              </a:rPr>
+              <a:t> (</a:t>
+            </a:r>
+          </a:p>
+          <a:p>
+            <a:r>
+              <a:rPr lang="en-US" sz="1200" dirty="0">
+                <a:solidFill>
+                  <a:srgbClr val="CCCCCC"/>
+                </a:solidFill>
+                <a:latin typeface="Consolas" panose="020B0609020204030204" pitchFamily="49" charset="0"/>
+              </a:rPr>
+              <a:t>    </a:t>
+            </a:r>
+            <a:r>
+              <a:rPr lang="en-US" sz="1200" dirty="0">
+                <a:solidFill>
+                  <a:srgbClr val="808080"/>
+                </a:solidFill>
+                <a:latin typeface="Consolas" panose="020B0609020204030204" pitchFamily="49" charset="0"/>
+              </a:rPr>
+              <a:t>&lt;&gt;</a:t>
+            </a:r>
+            <a:endParaRPr lang="en-US" sz="1200" dirty="0">
+              <a:solidFill>
+                <a:srgbClr val="CCCCCC"/>
+              </a:solidFill>
+              <a:latin typeface="Consolas" panose="020B0609020204030204" pitchFamily="49" charset="0"/>
+            </a:endParaRPr>
+          </a:p>
+          <a:p>
+            <a:r>
+              <a:rPr lang="en-US" sz="1200" dirty="0">
+                <a:solidFill>
+                  <a:srgbClr val="CCCCCC"/>
+                </a:solidFill>
+                <a:latin typeface="Consolas" panose="020B0609020204030204" pitchFamily="49" charset="0"/>
+              </a:rPr>
+              <a:t>      </a:t>
+            </a:r>
+            <a:r>
+              <a:rPr lang="en-US" sz="1200" dirty="0">
+                <a:solidFill>
+                  <a:srgbClr val="808080"/>
+                </a:solidFill>
+                <a:latin typeface="Consolas" panose="020B0609020204030204" pitchFamily="49" charset="0"/>
+              </a:rPr>
+              <a:t>&lt;</a:t>
+            </a:r>
+            <a:r>
+              <a:rPr lang="en-US" sz="1200" dirty="0">
+                <a:solidFill>
+                  <a:srgbClr val="569CD6"/>
+                </a:solidFill>
+                <a:latin typeface="Consolas" panose="020B0609020204030204" pitchFamily="49" charset="0"/>
+              </a:rPr>
+              <a:t>button</a:t>
+            </a:r>
+            <a:r>
+              <a:rPr lang="en-US" sz="1200" dirty="0">
+                <a:solidFill>
+                  <a:srgbClr val="CCCCCC"/>
+                </a:solidFill>
+                <a:latin typeface="Consolas" panose="020B0609020204030204" pitchFamily="49" charset="0"/>
+              </a:rPr>
+              <a:t> </a:t>
+            </a:r>
+            <a:r>
+              <a:rPr lang="en-US" sz="1200" dirty="0">
+                <a:solidFill>
+                  <a:srgbClr val="9CDCFE"/>
+                </a:solidFill>
+                <a:latin typeface="Consolas" panose="020B0609020204030204" pitchFamily="49" charset="0"/>
+              </a:rPr>
+              <a:t>onClick</a:t>
+            </a:r>
+            <a:r>
+              <a:rPr lang="en-US" sz="1200" dirty="0">
+                <a:solidFill>
+                  <a:srgbClr val="D4D4D4"/>
+                </a:solidFill>
+                <a:latin typeface="Consolas" panose="020B0609020204030204" pitchFamily="49" charset="0"/>
+              </a:rPr>
+              <a:t>=</a:t>
+            </a:r>
+            <a:r>
+              <a:rPr lang="en-US" sz="1200" dirty="0">
+                <a:solidFill>
+                  <a:srgbClr val="569CD6"/>
+                </a:solidFill>
+                <a:latin typeface="Consolas" panose="020B0609020204030204" pitchFamily="49" charset="0"/>
+              </a:rPr>
+              <a:t>{</a:t>
+            </a:r>
+            <a:r>
+              <a:rPr lang="en-US" sz="1200" dirty="0">
+                <a:solidFill>
+                  <a:srgbClr val="4FC1FF"/>
+                </a:solidFill>
+                <a:latin typeface="Consolas" panose="020B0609020204030204" pitchFamily="49" charset="0"/>
+              </a:rPr>
+              <a:t>theme</a:t>
+            </a:r>
+            <a:r>
+              <a:rPr lang="en-US" sz="1200" dirty="0">
+                <a:solidFill>
+                  <a:srgbClr val="D4D4D4"/>
+                </a:solidFill>
+                <a:latin typeface="Consolas" panose="020B0609020204030204" pitchFamily="49" charset="0"/>
+              </a:rPr>
+              <a:t>.</a:t>
+            </a:r>
+            <a:r>
+              <a:rPr lang="en-US" sz="1200" dirty="0">
+                <a:solidFill>
+                  <a:srgbClr val="9CDCFE"/>
+                </a:solidFill>
+                <a:latin typeface="Consolas" panose="020B0609020204030204" pitchFamily="49" charset="0"/>
+              </a:rPr>
+              <a:t>changeTheme</a:t>
+            </a:r>
+            <a:r>
+              <a:rPr lang="en-US" sz="1200" dirty="0">
+                <a:solidFill>
+                  <a:srgbClr val="569CD6"/>
+                </a:solidFill>
+                <a:latin typeface="Consolas" panose="020B0609020204030204" pitchFamily="49" charset="0"/>
+              </a:rPr>
+              <a:t>}</a:t>
+            </a:r>
+            <a:r>
+              <a:rPr lang="en-US" sz="1200" dirty="0">
+                <a:solidFill>
+                  <a:srgbClr val="808080"/>
+                </a:solidFill>
+                <a:latin typeface="Consolas" panose="020B0609020204030204" pitchFamily="49" charset="0"/>
+              </a:rPr>
+              <a:t>&gt;</a:t>
+            </a:r>
+            <a:r>
+              <a:rPr lang="en-US" sz="1200" dirty="0">
+                <a:solidFill>
+                  <a:srgbClr val="CCCCCC"/>
+                </a:solidFill>
+                <a:latin typeface="Consolas" panose="020B0609020204030204" pitchFamily="49" charset="0"/>
+              </a:rPr>
+              <a:t>Change theme</a:t>
+            </a:r>
+            <a:r>
+              <a:rPr lang="en-US" sz="1200" dirty="0">
+                <a:solidFill>
+                  <a:srgbClr val="808080"/>
+                </a:solidFill>
+                <a:latin typeface="Consolas" panose="020B0609020204030204" pitchFamily="49" charset="0"/>
+              </a:rPr>
+              <a:t>&lt;/</a:t>
+            </a:r>
+            <a:r>
+              <a:rPr lang="en-US" sz="1200" dirty="0">
+                <a:solidFill>
+                  <a:srgbClr val="569CD6"/>
+                </a:solidFill>
+                <a:latin typeface="Consolas" panose="020B0609020204030204" pitchFamily="49" charset="0"/>
+              </a:rPr>
+              <a:t>button</a:t>
+            </a:r>
+            <a:r>
+              <a:rPr lang="en-US" sz="1200" dirty="0">
+                <a:solidFill>
+                  <a:srgbClr val="808080"/>
+                </a:solidFill>
+                <a:latin typeface="Consolas" panose="020B0609020204030204" pitchFamily="49" charset="0"/>
+              </a:rPr>
+              <a:t>&gt;</a:t>
+            </a:r>
+            <a:endParaRPr lang="en-US" sz="1200" dirty="0">
+              <a:solidFill>
+                <a:srgbClr val="CCCCCC"/>
+              </a:solidFill>
+              <a:latin typeface="Consolas" panose="020B0609020204030204" pitchFamily="49" charset="0"/>
+            </a:endParaRPr>
+          </a:p>
+          <a:p>
+            <a:r>
+              <a:rPr lang="en-US" sz="1200" dirty="0">
+                <a:solidFill>
+                  <a:srgbClr val="CCCCCC"/>
+                </a:solidFill>
+                <a:latin typeface="Consolas" panose="020B0609020204030204" pitchFamily="49" charset="0"/>
+              </a:rPr>
+              <a:t>      </a:t>
+            </a:r>
+            <a:r>
+              <a:rPr lang="en-US" sz="1200" dirty="0">
+                <a:solidFill>
+                  <a:srgbClr val="808080"/>
+                </a:solidFill>
+                <a:latin typeface="Consolas" panose="020B0609020204030204" pitchFamily="49" charset="0"/>
+              </a:rPr>
+              <a:t>&lt;</a:t>
+            </a:r>
+            <a:r>
+              <a:rPr lang="en-US" sz="1200" dirty="0">
+                <a:solidFill>
+                  <a:srgbClr val="4EC9B0"/>
+                </a:solidFill>
+                <a:latin typeface="Consolas" panose="020B0609020204030204" pitchFamily="49" charset="0"/>
+              </a:rPr>
+              <a:t>Content</a:t>
+            </a:r>
+            <a:r>
+              <a:rPr lang="en-US" sz="1200" dirty="0">
+                <a:solidFill>
+                  <a:srgbClr val="CCCCCC"/>
+                </a:solidFill>
+                <a:latin typeface="Consolas" panose="020B0609020204030204" pitchFamily="49" charset="0"/>
+              </a:rPr>
+              <a:t> </a:t>
+            </a:r>
+            <a:r>
+              <a:rPr lang="en-US" sz="1200" dirty="0">
+                <a:solidFill>
+                  <a:srgbClr val="808080"/>
+                </a:solidFill>
+                <a:latin typeface="Consolas" panose="020B0609020204030204" pitchFamily="49" charset="0"/>
+              </a:rPr>
+              <a:t>/&gt;</a:t>
+            </a:r>
+            <a:endParaRPr lang="en-US" sz="1200" dirty="0">
+              <a:solidFill>
+                <a:srgbClr val="CCCCCC"/>
+              </a:solidFill>
+              <a:latin typeface="Consolas" panose="020B0609020204030204" pitchFamily="49" charset="0"/>
+            </a:endParaRPr>
+          </a:p>
+          <a:p>
+            <a:r>
+              <a:rPr lang="en-US" sz="1200" dirty="0">
+                <a:solidFill>
+                  <a:srgbClr val="CCCCCC"/>
+                </a:solidFill>
+                <a:latin typeface="Consolas" panose="020B0609020204030204" pitchFamily="49" charset="0"/>
+              </a:rPr>
+              <a:t>    </a:t>
+            </a:r>
+            <a:r>
+              <a:rPr lang="en-US" sz="1200" dirty="0">
+                <a:solidFill>
+                  <a:srgbClr val="808080"/>
+                </a:solidFill>
+                <a:latin typeface="Consolas" panose="020B0609020204030204" pitchFamily="49" charset="0"/>
+              </a:rPr>
+              <a:t>&lt;/&gt;</a:t>
+            </a:r>
+            <a:endParaRPr lang="en-US" sz="1200" dirty="0">
+              <a:solidFill>
+                <a:srgbClr val="CCCCCC"/>
+              </a:solidFill>
+              <a:latin typeface="Consolas" panose="020B0609020204030204" pitchFamily="49" charset="0"/>
+            </a:endParaRPr>
+          </a:p>
+          <a:p>
+            <a:r>
+              <a:rPr lang="en-US" sz="1200" dirty="0">
+                <a:solidFill>
+                  <a:srgbClr val="CCCCCC"/>
+                </a:solidFill>
+                <a:latin typeface="Consolas" panose="020B0609020204030204" pitchFamily="49" charset="0"/>
+              </a:rPr>
+              <a:t>  );</a:t>
+            </a:r>
+          </a:p>
+          <a:p>
+            <a:r>
+              <a:rPr lang="en-US" sz="1200" dirty="0">
+                <a:solidFill>
+                  <a:srgbClr val="CCCCCC"/>
+                </a:solidFill>
+                <a:latin typeface="Consolas" panose="020B0609020204030204" pitchFamily="49" charset="0"/>
+              </a:rPr>
+              <a:t>}</a:t>
+            </a:r>
+            <a:endParaRPr lang="en-US" sz="1200" b="0" dirty="0">
+              <a:solidFill>
+                <a:srgbClr val="CCCCCC"/>
+              </a:solidFill>
+              <a:effectLst/>
+              <a:latin typeface="Consolas" panose="020B0609020204030204" pitchFamily="49" charset="0"/>
+            </a:endParaRPr>
+          </a:p>
+        </p:txBody>
+      </p:sp>
+    </p:spTree>
+    <p:extLst>
+      <p:ext uri="{BB962C8B-B14F-4D97-AF65-F5344CB8AC3E}">
+        <p14:creationId xmlns:p14="http://schemas.microsoft.com/office/powerpoint/2010/main" val="3674020640"/>
+      </p:ext>
+    </p:extLst>
+  </p:cSld>
+  <p:clrMapOvr>
+    <a:masterClrMapping/>
+  </p:clrMapOvr>
+</p:sld>
+</file>
+
 <file path=ppt/slides/slide2.xml><?xml version="1.0" encoding="utf-8"?>
 <p:sld xmlns:a="http://schemas.openxmlformats.org/drawingml/2006/main" xmlns:r="http://schemas.openxmlformats.org/officeDocument/2006/relationships" xmlns:p="http://schemas.openxmlformats.org/presentationml/2006/main">
   <p:cSld>
